--- a/Presentation.pptx
+++ b/Presentation.pptx
@@ -10048,7 +10048,7 @@
           <a:p>
             <a:fld id="{7B757701-9D14-461C-AAFF-6535A7DE4BAE}" type="datetimeFigureOut">
               <a:rPr lang="en-GB" smtClean="0"/>
-              <a:t>18/12/2020</a:t>
+              <a:t>03/01/2021</a:t>
             </a:fld>
             <a:endParaRPr lang="en-GB"/>
           </a:p>
@@ -10850,29 +10850,6 @@
           <a:bodyPr/>
           <a:lstStyle/>
           <a:p>
-            <a:pPr marL="228600" marR="0" lvl="0" indent="-228600" algn="l" defTabSz="914400" rtl="0" eaLnBrk="1" fontAlgn="auto" latinLnBrk="0" hangingPunct="1">
-              <a:lnSpc>
-                <a:spcPct val="100000"/>
-              </a:lnSpc>
-              <a:spcBef>
-                <a:spcPts val="0"/>
-              </a:spcBef>
-              <a:spcAft>
-                <a:spcPts val="0"/>
-              </a:spcAft>
-              <a:buClrTx/>
-              <a:buSzTx/>
-              <a:buFontTx/>
-              <a:buAutoNum type="arabicPeriod"/>
-              <a:tabLst/>
-              <a:defRPr/>
-            </a:pPr>
-            <a:r>
-              <a:rPr lang="en-GB" dirty="0"/>
-              <a:t>Disclaimer, I’m a performance marketer who’s not supposed to believe in intuition, not a sales guy.</a:t>
-            </a:r>
-          </a:p>
-          <a:p>
             <a:pPr marL="228600" indent="-228600">
               <a:buAutoNum type="arabicPeriod"/>
             </a:pPr>
@@ -10905,7 +10882,7 @@
             </a:pPr>
             <a:r>
               <a:rPr lang="en-GB" dirty="0"/>
-              <a:t>I got 2 true positives right and 2 wrong.</a:t>
+              <a:t>I got 2 true positives right and 3 wrong.</a:t>
             </a:r>
           </a:p>
           <a:p>
@@ -10914,7 +10891,7 @@
             </a:pPr>
             <a:r>
               <a:rPr lang="en-GB" dirty="0"/>
-              <a:t>I was too optimistic about three outcomes</a:t>
+              <a:t>I was too optimistic about 2 outcomes</a:t>
             </a:r>
           </a:p>
           <a:p>
@@ -10941,7 +10918,7 @@
             </a:pPr>
             <a:r>
               <a:rPr lang="en-GB" dirty="0"/>
-              <a:t>Got 1 positive wrong</a:t>
+              <a:t>Incorrectly labelled one negative as a positive (false positive).</a:t>
             </a:r>
           </a:p>
           <a:p>
@@ -10950,7 +10927,7 @@
             </a:pPr>
             <a:r>
               <a:rPr lang="en-GB" dirty="0"/>
-              <a:t>Got no false positives</a:t>
+              <a:t>Got no false negatives (erred on the side of recall).</a:t>
             </a:r>
           </a:p>
           <a:p>
@@ -10968,7 +10945,7 @@
             </a:pPr>
             <a:r>
               <a:rPr lang="en-GB" dirty="0"/>
-              <a:t>I would have made 5 phone calls and converted 2 for a 40% CVR</a:t>
+              <a:t>I would have made 4 phone calls and converted 2 for a 50% CVR</a:t>
             </a:r>
           </a:p>
           <a:p>
@@ -10986,7 +10963,7 @@
             </a:pPr>
             <a:r>
               <a:rPr lang="en-GB" dirty="0"/>
-              <a:t>90% higher CVR.</a:t>
+              <a:t>The model has a 50% higher CVR than the salesman’s instinct.</a:t>
             </a:r>
           </a:p>
           <a:p>
@@ -12175,7 +12152,7 @@
           <a:p>
             <a:fld id="{98DDD126-A46D-4EAC-A5E9-30E4F8E73A42}" type="datetimeFigureOut">
               <a:rPr lang="en-GB" smtClean="0"/>
-              <a:t>18/12/2020</a:t>
+              <a:t>03/01/2021</a:t>
             </a:fld>
             <a:endParaRPr lang="en-GB"/>
           </a:p>
@@ -12375,7 +12352,7 @@
           <a:p>
             <a:fld id="{98DDD126-A46D-4EAC-A5E9-30E4F8E73A42}" type="datetimeFigureOut">
               <a:rPr lang="en-GB" smtClean="0"/>
-              <a:t>18/12/2020</a:t>
+              <a:t>03/01/2021</a:t>
             </a:fld>
             <a:endParaRPr lang="en-GB"/>
           </a:p>
@@ -12585,7 +12562,7 @@
           <a:p>
             <a:fld id="{98DDD126-A46D-4EAC-A5E9-30E4F8E73A42}" type="datetimeFigureOut">
               <a:rPr lang="en-GB" smtClean="0"/>
-              <a:t>18/12/2020</a:t>
+              <a:t>03/01/2021</a:t>
             </a:fld>
             <a:endParaRPr lang="en-GB"/>
           </a:p>
@@ -12785,7 +12762,7 @@
           <a:p>
             <a:fld id="{98DDD126-A46D-4EAC-A5E9-30E4F8E73A42}" type="datetimeFigureOut">
               <a:rPr lang="en-GB" smtClean="0"/>
-              <a:t>18/12/2020</a:t>
+              <a:t>03/01/2021</a:t>
             </a:fld>
             <a:endParaRPr lang="en-GB"/>
           </a:p>
@@ -13061,7 +13038,7 @@
           <a:p>
             <a:fld id="{98DDD126-A46D-4EAC-A5E9-30E4F8E73A42}" type="datetimeFigureOut">
               <a:rPr lang="en-GB" smtClean="0"/>
-              <a:t>18/12/2020</a:t>
+              <a:t>03/01/2021</a:t>
             </a:fld>
             <a:endParaRPr lang="en-GB"/>
           </a:p>
@@ -13329,7 +13306,7 @@
           <a:p>
             <a:fld id="{98DDD126-A46D-4EAC-A5E9-30E4F8E73A42}" type="datetimeFigureOut">
               <a:rPr lang="en-GB" smtClean="0"/>
-              <a:t>18/12/2020</a:t>
+              <a:t>03/01/2021</a:t>
             </a:fld>
             <a:endParaRPr lang="en-GB"/>
           </a:p>
@@ -13744,7 +13721,7 @@
           <a:p>
             <a:fld id="{98DDD126-A46D-4EAC-A5E9-30E4F8E73A42}" type="datetimeFigureOut">
               <a:rPr lang="en-GB" smtClean="0"/>
-              <a:t>18/12/2020</a:t>
+              <a:t>03/01/2021</a:t>
             </a:fld>
             <a:endParaRPr lang="en-GB"/>
           </a:p>
@@ -13886,7 +13863,7 @@
           <a:p>
             <a:fld id="{98DDD126-A46D-4EAC-A5E9-30E4F8E73A42}" type="datetimeFigureOut">
               <a:rPr lang="en-GB" smtClean="0"/>
-              <a:t>18/12/2020</a:t>
+              <a:t>03/01/2021</a:t>
             </a:fld>
             <a:endParaRPr lang="en-GB"/>
           </a:p>
@@ -13999,7 +13976,7 @@
           <a:p>
             <a:fld id="{98DDD126-A46D-4EAC-A5E9-30E4F8E73A42}" type="datetimeFigureOut">
               <a:rPr lang="en-GB" smtClean="0"/>
-              <a:t>18/12/2020</a:t>
+              <a:t>03/01/2021</a:t>
             </a:fld>
             <a:endParaRPr lang="en-GB"/>
           </a:p>
@@ -14312,7 +14289,7 @@
           <a:p>
             <a:fld id="{98DDD126-A46D-4EAC-A5E9-30E4F8E73A42}" type="datetimeFigureOut">
               <a:rPr lang="en-GB" smtClean="0"/>
-              <a:t>18/12/2020</a:t>
+              <a:t>03/01/2021</a:t>
             </a:fld>
             <a:endParaRPr lang="en-GB"/>
           </a:p>
@@ -14601,7 +14578,7 @@
           <a:p>
             <a:fld id="{98DDD126-A46D-4EAC-A5E9-30E4F8E73A42}" type="datetimeFigureOut">
               <a:rPr lang="en-GB" smtClean="0"/>
-              <a:t>18/12/2020</a:t>
+              <a:t>03/01/2021</a:t>
             </a:fld>
             <a:endParaRPr lang="en-GB"/>
           </a:p>
@@ -14844,7 +14821,7 @@
           <a:p>
             <a:fld id="{98DDD126-A46D-4EAC-A5E9-30E4F8E73A42}" type="datetimeFigureOut">
               <a:rPr lang="en-GB" smtClean="0"/>
-              <a:t>18/12/2020</a:t>
+              <a:t>03/01/2021</a:t>
             </a:fld>
             <a:endParaRPr lang="en-GB"/>
           </a:p>
@@ -21057,8 +21034,8 @@
           </a:p>
         </p:txBody>
       </p:sp>
-      <mc:AlternateContent xmlns:mc="http://schemas.openxmlformats.org/markup-compatibility/2006">
-        <mc:Choice xmlns:p14="http://schemas.microsoft.com/office/powerpoint/2010/main" Requires="p14">
+      <mc:AlternateContent xmlns:mc="http://schemas.openxmlformats.org/markup-compatibility/2006" xmlns:p14="http://schemas.microsoft.com/office/powerpoint/2010/main">
+        <mc:Choice Requires="p14">
           <p:contentPart p14:bwMode="auto" r:id="rId4">
             <p14:nvContentPartPr>
               <p14:cNvPr id="6" name="Ink 5">
@@ -21077,7 +21054,7 @@
             </p14:xfrm>
           </p:contentPart>
         </mc:Choice>
-        <mc:Fallback>
+        <mc:Fallback xmlns="">
           <p:pic>
             <p:nvPicPr>
               <p:cNvPr id="6" name="Ink 5">
@@ -21108,8 +21085,8 @@
           </p:pic>
         </mc:Fallback>
       </mc:AlternateContent>
-      <mc:AlternateContent xmlns:mc="http://schemas.openxmlformats.org/markup-compatibility/2006">
-        <mc:Choice xmlns:p14="http://schemas.microsoft.com/office/powerpoint/2010/main" Requires="p14">
+      <mc:AlternateContent xmlns:mc="http://schemas.openxmlformats.org/markup-compatibility/2006" xmlns:p14="http://schemas.microsoft.com/office/powerpoint/2010/main">
+        <mc:Choice Requires="p14">
           <p:contentPart p14:bwMode="auto" r:id="rId6">
             <p14:nvContentPartPr>
               <p14:cNvPr id="7" name="Ink 6">
@@ -21128,7 +21105,7 @@
             </p14:xfrm>
           </p:contentPart>
         </mc:Choice>
-        <mc:Fallback>
+        <mc:Fallback xmlns="">
           <p:pic>
             <p:nvPicPr>
               <p:cNvPr id="7" name="Ink 6">
@@ -21545,8 +21522,8 @@
           </a:p>
         </p:txBody>
       </p:sp>
-      <mc:AlternateContent xmlns:mc="http://schemas.openxmlformats.org/markup-compatibility/2006">
-        <mc:Choice xmlns:p14="http://schemas.microsoft.com/office/powerpoint/2010/main" Requires="p14">
+      <mc:AlternateContent xmlns:mc="http://schemas.openxmlformats.org/markup-compatibility/2006" xmlns:p14="http://schemas.microsoft.com/office/powerpoint/2010/main">
+        <mc:Choice Requires="p14">
           <p:contentPart p14:bwMode="auto" r:id="rId4">
             <p14:nvContentPartPr>
               <p14:cNvPr id="6" name="Ink 5">
@@ -21565,7 +21542,7 @@
             </p14:xfrm>
           </p:contentPart>
         </mc:Choice>
-        <mc:Fallback>
+        <mc:Fallback xmlns="">
           <p:pic>
             <p:nvPicPr>
               <p:cNvPr id="6" name="Ink 5">
@@ -21596,8 +21573,8 @@
           </p:pic>
         </mc:Fallback>
       </mc:AlternateContent>
-      <mc:AlternateContent xmlns:mc="http://schemas.openxmlformats.org/markup-compatibility/2006">
-        <mc:Choice xmlns:p14="http://schemas.microsoft.com/office/powerpoint/2010/main" Requires="p14">
+      <mc:AlternateContent xmlns:mc="http://schemas.openxmlformats.org/markup-compatibility/2006" xmlns:p14="http://schemas.microsoft.com/office/powerpoint/2010/main">
+        <mc:Choice Requires="p14">
           <p:contentPart p14:bwMode="auto" r:id="rId6">
             <p14:nvContentPartPr>
               <p14:cNvPr id="7" name="Ink 6">
@@ -21616,7 +21593,7 @@
             </p14:xfrm>
           </p:contentPart>
         </mc:Choice>
-        <mc:Fallback>
+        <mc:Fallback xmlns="">
           <p:pic>
             <p:nvPicPr>
               <p:cNvPr id="7" name="Ink 6">
